--- a/ppt 16-9/1276.佳音.pptx
+++ b/ppt 16-9/1276.佳音.pptx
@@ -129,7 +129,7 @@
           <p:cNvPr id="2" name="标题 1">
             <a:extLst>
               <a:ext uri="{FF2B5EF4-FFF2-40B4-BE49-F238E27FC236}">
-                <a16:creationId xmlns:a16="http://schemas.microsoft.com/office/drawing/2014/main" id="{25A5CC49-3590-9307-C201-CA9E19F7477A}"/>
+                <a16:creationId xmlns:a16="http://schemas.microsoft.com/office/drawing/2014/main" id="{BDB60EA3-FF5F-966A-F3DF-C9FAF9498FDB}"/>
               </a:ext>
             </a:extLst>
           </p:cNvPr>
@@ -166,7 +166,7 @@
           <p:cNvPr id="3" name="副标题 2">
             <a:extLst>
               <a:ext uri="{FF2B5EF4-FFF2-40B4-BE49-F238E27FC236}">
-                <a16:creationId xmlns:a16="http://schemas.microsoft.com/office/drawing/2014/main" id="{9809A764-9069-8EB2-F0D5-E9F23C041841}"/>
+                <a16:creationId xmlns:a16="http://schemas.microsoft.com/office/drawing/2014/main" id="{EA46E846-D3B4-5F6F-6A22-5FD7649002C8}"/>
               </a:ext>
             </a:extLst>
           </p:cNvPr>
@@ -236,7 +236,7 @@
           <p:cNvPr id="4" name="日期占位符 3">
             <a:extLst>
               <a:ext uri="{FF2B5EF4-FFF2-40B4-BE49-F238E27FC236}">
-                <a16:creationId xmlns:a16="http://schemas.microsoft.com/office/drawing/2014/main" id="{23B95933-C796-C07C-7221-30335AD43790}"/>
+                <a16:creationId xmlns:a16="http://schemas.microsoft.com/office/drawing/2014/main" id="{4097D774-3731-8109-77CF-C8C83773B069}"/>
               </a:ext>
             </a:extLst>
           </p:cNvPr>
@@ -252,7 +252,7 @@
           <a:bodyPr/>
           <a:lstStyle/>
           <a:p>
-            <a:fld id="{DA2B0115-C615-4845-B4D3-33FBC60DBC00}" type="datetimeFigureOut">
+            <a:fld id="{C69EF88E-EFAF-4BA5-9262-9AF5B5F9CC48}" type="datetimeFigureOut">
               <a:rPr lang="zh-CN" altLang="en-US" smtClean="0"/>
               <a:t>2024/3/10</a:t>
             </a:fld>
@@ -265,7 +265,7 @@
           <p:cNvPr id="5" name="页脚占位符 4">
             <a:extLst>
               <a:ext uri="{FF2B5EF4-FFF2-40B4-BE49-F238E27FC236}">
-                <a16:creationId xmlns:a16="http://schemas.microsoft.com/office/drawing/2014/main" id="{2AD309F7-E818-01E5-C393-89C900E4EB90}"/>
+                <a16:creationId xmlns:a16="http://schemas.microsoft.com/office/drawing/2014/main" id="{888B0D2C-9495-672A-4769-4B9197A5C132}"/>
               </a:ext>
             </a:extLst>
           </p:cNvPr>
@@ -290,7 +290,7 @@
           <p:cNvPr id="6" name="灯片编号占位符 5">
             <a:extLst>
               <a:ext uri="{FF2B5EF4-FFF2-40B4-BE49-F238E27FC236}">
-                <a16:creationId xmlns:a16="http://schemas.microsoft.com/office/drawing/2014/main" id="{7309A797-371D-D296-1689-CD8D4FF2F44F}"/>
+                <a16:creationId xmlns:a16="http://schemas.microsoft.com/office/drawing/2014/main" id="{A6053942-3647-3FA0-3DCC-77B7ECD7F074}"/>
               </a:ext>
             </a:extLst>
           </p:cNvPr>
@@ -306,7 +306,7 @@
           <a:bodyPr/>
           <a:lstStyle/>
           <a:p>
-            <a:fld id="{126D2758-D144-4D6C-AD60-1FEF3213D423}" type="slidenum">
+            <a:fld id="{BBDF71A3-D4FD-4FCF-8B6C-20DEF4D8AB0A}" type="slidenum">
               <a:rPr lang="zh-CN" altLang="en-US" smtClean="0"/>
               <a:t>‹#›</a:t>
             </a:fld>
@@ -317,7 +317,7 @@
     </p:spTree>
     <p:extLst>
       <p:ext uri="{BB962C8B-B14F-4D97-AF65-F5344CB8AC3E}">
-        <p14:creationId xmlns:p14="http://schemas.microsoft.com/office/powerpoint/2010/main" val="1883840235"/>
+        <p14:creationId xmlns:p14="http://schemas.microsoft.com/office/powerpoint/2010/main" val="4096876492"/>
       </p:ext>
     </p:extLst>
   </p:cSld>
@@ -349,7 +349,7 @@
           <p:cNvPr id="2" name="标题 1">
             <a:extLst>
               <a:ext uri="{FF2B5EF4-FFF2-40B4-BE49-F238E27FC236}">
-                <a16:creationId xmlns:a16="http://schemas.microsoft.com/office/drawing/2014/main" id="{737D4CC6-FAF4-0F39-4037-20671411012A}"/>
+                <a16:creationId xmlns:a16="http://schemas.microsoft.com/office/drawing/2014/main" id="{51881AC5-FB23-8383-59FF-22349A59DAB3}"/>
               </a:ext>
             </a:extLst>
           </p:cNvPr>
@@ -377,7 +377,7 @@
           <p:cNvPr id="3" name="竖排文字占位符 2">
             <a:extLst>
               <a:ext uri="{FF2B5EF4-FFF2-40B4-BE49-F238E27FC236}">
-                <a16:creationId xmlns:a16="http://schemas.microsoft.com/office/drawing/2014/main" id="{E464471B-50B3-968F-C915-680255D256A1}"/>
+                <a16:creationId xmlns:a16="http://schemas.microsoft.com/office/drawing/2014/main" id="{BFD8F940-2C9C-DF78-5715-C5C5A60F533D}"/>
               </a:ext>
             </a:extLst>
           </p:cNvPr>
@@ -434,7 +434,7 @@
           <p:cNvPr id="4" name="日期占位符 3">
             <a:extLst>
               <a:ext uri="{FF2B5EF4-FFF2-40B4-BE49-F238E27FC236}">
-                <a16:creationId xmlns:a16="http://schemas.microsoft.com/office/drawing/2014/main" id="{8EAC7DD9-1F2C-D7DF-ED31-44E4471A5CBD}"/>
+                <a16:creationId xmlns:a16="http://schemas.microsoft.com/office/drawing/2014/main" id="{66518C05-C7BF-B1D3-EB2C-57216EE3A421}"/>
               </a:ext>
             </a:extLst>
           </p:cNvPr>
@@ -450,7 +450,7 @@
           <a:bodyPr/>
           <a:lstStyle/>
           <a:p>
-            <a:fld id="{DA2B0115-C615-4845-B4D3-33FBC60DBC00}" type="datetimeFigureOut">
+            <a:fld id="{C69EF88E-EFAF-4BA5-9262-9AF5B5F9CC48}" type="datetimeFigureOut">
               <a:rPr lang="zh-CN" altLang="en-US" smtClean="0"/>
               <a:t>2024/3/10</a:t>
             </a:fld>
@@ -463,7 +463,7 @@
           <p:cNvPr id="5" name="页脚占位符 4">
             <a:extLst>
               <a:ext uri="{FF2B5EF4-FFF2-40B4-BE49-F238E27FC236}">
-                <a16:creationId xmlns:a16="http://schemas.microsoft.com/office/drawing/2014/main" id="{86684AB2-F03D-367D-D90C-3A17467A1543}"/>
+                <a16:creationId xmlns:a16="http://schemas.microsoft.com/office/drawing/2014/main" id="{49BB4292-3262-11EA-64CB-89F7D73A94CB}"/>
               </a:ext>
             </a:extLst>
           </p:cNvPr>
@@ -488,7 +488,7 @@
           <p:cNvPr id="6" name="灯片编号占位符 5">
             <a:extLst>
               <a:ext uri="{FF2B5EF4-FFF2-40B4-BE49-F238E27FC236}">
-                <a16:creationId xmlns:a16="http://schemas.microsoft.com/office/drawing/2014/main" id="{0BEC0062-6033-F2E1-A02B-2778082B679A}"/>
+                <a16:creationId xmlns:a16="http://schemas.microsoft.com/office/drawing/2014/main" id="{AFF8F338-19B4-3A34-57EE-F0099EEAD85E}"/>
               </a:ext>
             </a:extLst>
           </p:cNvPr>
@@ -504,7 +504,7 @@
           <a:bodyPr/>
           <a:lstStyle/>
           <a:p>
-            <a:fld id="{126D2758-D144-4D6C-AD60-1FEF3213D423}" type="slidenum">
+            <a:fld id="{BBDF71A3-D4FD-4FCF-8B6C-20DEF4D8AB0A}" type="slidenum">
               <a:rPr lang="zh-CN" altLang="en-US" smtClean="0"/>
               <a:t>‹#›</a:t>
             </a:fld>
@@ -515,7 +515,7 @@
     </p:spTree>
     <p:extLst>
       <p:ext uri="{BB962C8B-B14F-4D97-AF65-F5344CB8AC3E}">
-        <p14:creationId xmlns:p14="http://schemas.microsoft.com/office/powerpoint/2010/main" val="999639420"/>
+        <p14:creationId xmlns:p14="http://schemas.microsoft.com/office/powerpoint/2010/main" val="1895667910"/>
       </p:ext>
     </p:extLst>
   </p:cSld>
@@ -547,7 +547,7 @@
           <p:cNvPr id="2" name="竖排标题 1">
             <a:extLst>
               <a:ext uri="{FF2B5EF4-FFF2-40B4-BE49-F238E27FC236}">
-                <a16:creationId xmlns:a16="http://schemas.microsoft.com/office/drawing/2014/main" id="{133A66EA-85BF-E8D6-BD06-60D0655891E1}"/>
+                <a16:creationId xmlns:a16="http://schemas.microsoft.com/office/drawing/2014/main" id="{D118EC0D-9C90-3F87-9F10-6E37D509B7D0}"/>
               </a:ext>
             </a:extLst>
           </p:cNvPr>
@@ -580,7 +580,7 @@
           <p:cNvPr id="3" name="竖排文字占位符 2">
             <a:extLst>
               <a:ext uri="{FF2B5EF4-FFF2-40B4-BE49-F238E27FC236}">
-                <a16:creationId xmlns:a16="http://schemas.microsoft.com/office/drawing/2014/main" id="{439D6FFB-8922-79F1-D967-3E3540924235}"/>
+                <a16:creationId xmlns:a16="http://schemas.microsoft.com/office/drawing/2014/main" id="{F3C71009-2878-D81E-E92D-947876F113A4}"/>
               </a:ext>
             </a:extLst>
           </p:cNvPr>
@@ -642,7 +642,7 @@
           <p:cNvPr id="4" name="日期占位符 3">
             <a:extLst>
               <a:ext uri="{FF2B5EF4-FFF2-40B4-BE49-F238E27FC236}">
-                <a16:creationId xmlns:a16="http://schemas.microsoft.com/office/drawing/2014/main" id="{965EC139-6BF9-5CF4-46C0-AB44F386C9F9}"/>
+                <a16:creationId xmlns:a16="http://schemas.microsoft.com/office/drawing/2014/main" id="{0FE5471C-91EC-D60D-D941-64FF4D4A0B3F}"/>
               </a:ext>
             </a:extLst>
           </p:cNvPr>
@@ -658,7 +658,7 @@
           <a:bodyPr/>
           <a:lstStyle/>
           <a:p>
-            <a:fld id="{DA2B0115-C615-4845-B4D3-33FBC60DBC00}" type="datetimeFigureOut">
+            <a:fld id="{C69EF88E-EFAF-4BA5-9262-9AF5B5F9CC48}" type="datetimeFigureOut">
               <a:rPr lang="zh-CN" altLang="en-US" smtClean="0"/>
               <a:t>2024/3/10</a:t>
             </a:fld>
@@ -671,7 +671,7 @@
           <p:cNvPr id="5" name="页脚占位符 4">
             <a:extLst>
               <a:ext uri="{FF2B5EF4-FFF2-40B4-BE49-F238E27FC236}">
-                <a16:creationId xmlns:a16="http://schemas.microsoft.com/office/drawing/2014/main" id="{793F2D12-1CD3-3B35-1C10-6027620D2E67}"/>
+                <a16:creationId xmlns:a16="http://schemas.microsoft.com/office/drawing/2014/main" id="{8553A7D5-C640-BC11-7F59-256024570356}"/>
               </a:ext>
             </a:extLst>
           </p:cNvPr>
@@ -696,7 +696,7 @@
           <p:cNvPr id="6" name="灯片编号占位符 5">
             <a:extLst>
               <a:ext uri="{FF2B5EF4-FFF2-40B4-BE49-F238E27FC236}">
-                <a16:creationId xmlns:a16="http://schemas.microsoft.com/office/drawing/2014/main" id="{BC7F75A0-4F69-05E3-59BA-825BB50E8494}"/>
+                <a16:creationId xmlns:a16="http://schemas.microsoft.com/office/drawing/2014/main" id="{DFA62395-0E1F-98BB-6EA2-53FAD820E319}"/>
               </a:ext>
             </a:extLst>
           </p:cNvPr>
@@ -712,7 +712,7 @@
           <a:bodyPr/>
           <a:lstStyle/>
           <a:p>
-            <a:fld id="{126D2758-D144-4D6C-AD60-1FEF3213D423}" type="slidenum">
+            <a:fld id="{BBDF71A3-D4FD-4FCF-8B6C-20DEF4D8AB0A}" type="slidenum">
               <a:rPr lang="zh-CN" altLang="en-US" smtClean="0"/>
               <a:t>‹#›</a:t>
             </a:fld>
@@ -723,7 +723,7 @@
     </p:spTree>
     <p:extLst>
       <p:ext uri="{BB962C8B-B14F-4D97-AF65-F5344CB8AC3E}">
-        <p14:creationId xmlns:p14="http://schemas.microsoft.com/office/powerpoint/2010/main" val="3959835488"/>
+        <p14:creationId xmlns:p14="http://schemas.microsoft.com/office/powerpoint/2010/main" val="1285795861"/>
       </p:ext>
     </p:extLst>
   </p:cSld>
@@ -755,7 +755,7 @@
           <p:cNvPr id="2" name="标题 1">
             <a:extLst>
               <a:ext uri="{FF2B5EF4-FFF2-40B4-BE49-F238E27FC236}">
-                <a16:creationId xmlns:a16="http://schemas.microsoft.com/office/drawing/2014/main" id="{AA5BB71F-EC2B-29C9-FD34-FB12EC6C04F3}"/>
+                <a16:creationId xmlns:a16="http://schemas.microsoft.com/office/drawing/2014/main" id="{C819459B-BE6E-AA2F-8DF4-19B284508F1B}"/>
               </a:ext>
             </a:extLst>
           </p:cNvPr>
@@ -783,7 +783,7 @@
           <p:cNvPr id="3" name="内容占位符 2">
             <a:extLst>
               <a:ext uri="{FF2B5EF4-FFF2-40B4-BE49-F238E27FC236}">
-                <a16:creationId xmlns:a16="http://schemas.microsoft.com/office/drawing/2014/main" id="{2B1109C5-E166-BAFB-07EF-55AF39159182}"/>
+                <a16:creationId xmlns:a16="http://schemas.microsoft.com/office/drawing/2014/main" id="{0E3E5643-DD91-0660-2863-9F2059998C24}"/>
               </a:ext>
             </a:extLst>
           </p:cNvPr>
@@ -840,7 +840,7 @@
           <p:cNvPr id="4" name="日期占位符 3">
             <a:extLst>
               <a:ext uri="{FF2B5EF4-FFF2-40B4-BE49-F238E27FC236}">
-                <a16:creationId xmlns:a16="http://schemas.microsoft.com/office/drawing/2014/main" id="{29CA4B81-F055-41B8-F79C-3B4947BFB1A5}"/>
+                <a16:creationId xmlns:a16="http://schemas.microsoft.com/office/drawing/2014/main" id="{759515FA-E7EF-206C-66AE-07E0D02ABF35}"/>
               </a:ext>
             </a:extLst>
           </p:cNvPr>
@@ -856,7 +856,7 @@
           <a:bodyPr/>
           <a:lstStyle/>
           <a:p>
-            <a:fld id="{DA2B0115-C615-4845-B4D3-33FBC60DBC00}" type="datetimeFigureOut">
+            <a:fld id="{C69EF88E-EFAF-4BA5-9262-9AF5B5F9CC48}" type="datetimeFigureOut">
               <a:rPr lang="zh-CN" altLang="en-US" smtClean="0"/>
               <a:t>2024/3/10</a:t>
             </a:fld>
@@ -869,7 +869,7 @@
           <p:cNvPr id="5" name="页脚占位符 4">
             <a:extLst>
               <a:ext uri="{FF2B5EF4-FFF2-40B4-BE49-F238E27FC236}">
-                <a16:creationId xmlns:a16="http://schemas.microsoft.com/office/drawing/2014/main" id="{F9C115EB-238B-B471-C0E9-571207487FD8}"/>
+                <a16:creationId xmlns:a16="http://schemas.microsoft.com/office/drawing/2014/main" id="{8FB95E93-504C-9881-05E4-946855FFE68D}"/>
               </a:ext>
             </a:extLst>
           </p:cNvPr>
@@ -894,7 +894,7 @@
           <p:cNvPr id="6" name="灯片编号占位符 5">
             <a:extLst>
               <a:ext uri="{FF2B5EF4-FFF2-40B4-BE49-F238E27FC236}">
-                <a16:creationId xmlns:a16="http://schemas.microsoft.com/office/drawing/2014/main" id="{3FC020A6-F056-38AA-EEA8-F5F8237E9551}"/>
+                <a16:creationId xmlns:a16="http://schemas.microsoft.com/office/drawing/2014/main" id="{0AE789A9-4B8A-F8F8-A96C-B7EF99209AAB}"/>
               </a:ext>
             </a:extLst>
           </p:cNvPr>
@@ -910,7 +910,7 @@
           <a:bodyPr/>
           <a:lstStyle/>
           <a:p>
-            <a:fld id="{126D2758-D144-4D6C-AD60-1FEF3213D423}" type="slidenum">
+            <a:fld id="{BBDF71A3-D4FD-4FCF-8B6C-20DEF4D8AB0A}" type="slidenum">
               <a:rPr lang="zh-CN" altLang="en-US" smtClean="0"/>
               <a:t>‹#›</a:t>
             </a:fld>
@@ -921,7 +921,7 @@
     </p:spTree>
     <p:extLst>
       <p:ext uri="{BB962C8B-B14F-4D97-AF65-F5344CB8AC3E}">
-        <p14:creationId xmlns:p14="http://schemas.microsoft.com/office/powerpoint/2010/main" val="1061372784"/>
+        <p14:creationId xmlns:p14="http://schemas.microsoft.com/office/powerpoint/2010/main" val="1859054852"/>
       </p:ext>
     </p:extLst>
   </p:cSld>
@@ -953,7 +953,7 @@
           <p:cNvPr id="2" name="标题 1">
             <a:extLst>
               <a:ext uri="{FF2B5EF4-FFF2-40B4-BE49-F238E27FC236}">
-                <a16:creationId xmlns:a16="http://schemas.microsoft.com/office/drawing/2014/main" id="{43CDE898-0CFC-B63B-BD94-8527BB75370D}"/>
+                <a16:creationId xmlns:a16="http://schemas.microsoft.com/office/drawing/2014/main" id="{72CB6BF7-91BC-6F7A-9D8C-38960FB259F7}"/>
               </a:ext>
             </a:extLst>
           </p:cNvPr>
@@ -990,7 +990,7 @@
           <p:cNvPr id="3" name="文本占位符 2">
             <a:extLst>
               <a:ext uri="{FF2B5EF4-FFF2-40B4-BE49-F238E27FC236}">
-                <a16:creationId xmlns:a16="http://schemas.microsoft.com/office/drawing/2014/main" id="{E7184902-1BD8-DC90-6D4D-F5EE352BBBDF}"/>
+                <a16:creationId xmlns:a16="http://schemas.microsoft.com/office/drawing/2014/main" id="{1FD45219-D2B0-5D55-FA0A-D50869C15648}"/>
               </a:ext>
             </a:extLst>
           </p:cNvPr>
@@ -1115,7 +1115,7 @@
           <p:cNvPr id="4" name="日期占位符 3">
             <a:extLst>
               <a:ext uri="{FF2B5EF4-FFF2-40B4-BE49-F238E27FC236}">
-                <a16:creationId xmlns:a16="http://schemas.microsoft.com/office/drawing/2014/main" id="{E4FEEE0E-6DF7-875E-BC84-48C18E58F029}"/>
+                <a16:creationId xmlns:a16="http://schemas.microsoft.com/office/drawing/2014/main" id="{064EFA56-8673-8165-8BE7-839BDCCA7098}"/>
               </a:ext>
             </a:extLst>
           </p:cNvPr>
@@ -1131,7 +1131,7 @@
           <a:bodyPr/>
           <a:lstStyle/>
           <a:p>
-            <a:fld id="{DA2B0115-C615-4845-B4D3-33FBC60DBC00}" type="datetimeFigureOut">
+            <a:fld id="{C69EF88E-EFAF-4BA5-9262-9AF5B5F9CC48}" type="datetimeFigureOut">
               <a:rPr lang="zh-CN" altLang="en-US" smtClean="0"/>
               <a:t>2024/3/10</a:t>
             </a:fld>
@@ -1144,7 +1144,7 @@
           <p:cNvPr id="5" name="页脚占位符 4">
             <a:extLst>
               <a:ext uri="{FF2B5EF4-FFF2-40B4-BE49-F238E27FC236}">
-                <a16:creationId xmlns:a16="http://schemas.microsoft.com/office/drawing/2014/main" id="{F58FD034-7AE6-4C8F-29FF-3AC4BF9DA4F3}"/>
+                <a16:creationId xmlns:a16="http://schemas.microsoft.com/office/drawing/2014/main" id="{AED97793-4D3D-C024-49F4-D6829D057411}"/>
               </a:ext>
             </a:extLst>
           </p:cNvPr>
@@ -1169,7 +1169,7 @@
           <p:cNvPr id="6" name="灯片编号占位符 5">
             <a:extLst>
               <a:ext uri="{FF2B5EF4-FFF2-40B4-BE49-F238E27FC236}">
-                <a16:creationId xmlns:a16="http://schemas.microsoft.com/office/drawing/2014/main" id="{2FF510E3-E82C-B05F-78FF-1F28DF5B6861}"/>
+                <a16:creationId xmlns:a16="http://schemas.microsoft.com/office/drawing/2014/main" id="{7F5ED673-F7E0-3070-27A4-54D0C6A8F93D}"/>
               </a:ext>
             </a:extLst>
           </p:cNvPr>
@@ -1185,7 +1185,7 @@
           <a:bodyPr/>
           <a:lstStyle/>
           <a:p>
-            <a:fld id="{126D2758-D144-4D6C-AD60-1FEF3213D423}" type="slidenum">
+            <a:fld id="{BBDF71A3-D4FD-4FCF-8B6C-20DEF4D8AB0A}" type="slidenum">
               <a:rPr lang="zh-CN" altLang="en-US" smtClean="0"/>
               <a:t>‹#›</a:t>
             </a:fld>
@@ -1196,7 +1196,7 @@
     </p:spTree>
     <p:extLst>
       <p:ext uri="{BB962C8B-B14F-4D97-AF65-F5344CB8AC3E}">
-        <p14:creationId xmlns:p14="http://schemas.microsoft.com/office/powerpoint/2010/main" val="813544871"/>
+        <p14:creationId xmlns:p14="http://schemas.microsoft.com/office/powerpoint/2010/main" val="658006080"/>
       </p:ext>
     </p:extLst>
   </p:cSld>
@@ -1228,7 +1228,7 @@
           <p:cNvPr id="2" name="标题 1">
             <a:extLst>
               <a:ext uri="{FF2B5EF4-FFF2-40B4-BE49-F238E27FC236}">
-                <a16:creationId xmlns:a16="http://schemas.microsoft.com/office/drawing/2014/main" id="{EDC6E2A3-0D9B-06DE-A116-3E64B3CB14A2}"/>
+                <a16:creationId xmlns:a16="http://schemas.microsoft.com/office/drawing/2014/main" id="{4913B1AE-8458-5150-D764-3ADC1C358C39}"/>
               </a:ext>
             </a:extLst>
           </p:cNvPr>
@@ -1256,7 +1256,7 @@
           <p:cNvPr id="3" name="内容占位符 2">
             <a:extLst>
               <a:ext uri="{FF2B5EF4-FFF2-40B4-BE49-F238E27FC236}">
-                <a16:creationId xmlns:a16="http://schemas.microsoft.com/office/drawing/2014/main" id="{46A0EC90-9A26-0DAD-50B6-8FBCD07EABE1}"/>
+                <a16:creationId xmlns:a16="http://schemas.microsoft.com/office/drawing/2014/main" id="{7657E66E-818F-0744-B8D9-8C07558E21AC}"/>
               </a:ext>
             </a:extLst>
           </p:cNvPr>
@@ -1318,7 +1318,7 @@
           <p:cNvPr id="4" name="内容占位符 3">
             <a:extLst>
               <a:ext uri="{FF2B5EF4-FFF2-40B4-BE49-F238E27FC236}">
-                <a16:creationId xmlns:a16="http://schemas.microsoft.com/office/drawing/2014/main" id="{29D80CEF-5214-DA29-4381-E172A7D897AA}"/>
+                <a16:creationId xmlns:a16="http://schemas.microsoft.com/office/drawing/2014/main" id="{A53DA7C8-C1F5-4BC3-D7D8-07FCE0CAD233}"/>
               </a:ext>
             </a:extLst>
           </p:cNvPr>
@@ -1380,7 +1380,7 @@
           <p:cNvPr id="5" name="日期占位符 4">
             <a:extLst>
               <a:ext uri="{FF2B5EF4-FFF2-40B4-BE49-F238E27FC236}">
-                <a16:creationId xmlns:a16="http://schemas.microsoft.com/office/drawing/2014/main" id="{B98305C6-4C8E-85EB-82B0-23D9D4290415}"/>
+                <a16:creationId xmlns:a16="http://schemas.microsoft.com/office/drawing/2014/main" id="{D7333E50-35DA-3A18-867C-17883CAB2EC1}"/>
               </a:ext>
             </a:extLst>
           </p:cNvPr>
@@ -1396,7 +1396,7 @@
           <a:bodyPr/>
           <a:lstStyle/>
           <a:p>
-            <a:fld id="{DA2B0115-C615-4845-B4D3-33FBC60DBC00}" type="datetimeFigureOut">
+            <a:fld id="{C69EF88E-EFAF-4BA5-9262-9AF5B5F9CC48}" type="datetimeFigureOut">
               <a:rPr lang="zh-CN" altLang="en-US" smtClean="0"/>
               <a:t>2024/3/10</a:t>
             </a:fld>
@@ -1409,7 +1409,7 @@
           <p:cNvPr id="6" name="页脚占位符 5">
             <a:extLst>
               <a:ext uri="{FF2B5EF4-FFF2-40B4-BE49-F238E27FC236}">
-                <a16:creationId xmlns:a16="http://schemas.microsoft.com/office/drawing/2014/main" id="{CCBF0022-7728-5CD8-9F3C-CE7AC6D450E5}"/>
+                <a16:creationId xmlns:a16="http://schemas.microsoft.com/office/drawing/2014/main" id="{71340356-6DA2-A797-7278-EB5ACF923659}"/>
               </a:ext>
             </a:extLst>
           </p:cNvPr>
@@ -1434,7 +1434,7 @@
           <p:cNvPr id="7" name="灯片编号占位符 6">
             <a:extLst>
               <a:ext uri="{FF2B5EF4-FFF2-40B4-BE49-F238E27FC236}">
-                <a16:creationId xmlns:a16="http://schemas.microsoft.com/office/drawing/2014/main" id="{E80B1E60-F41E-7DD2-F97E-EAE81F6EF80B}"/>
+                <a16:creationId xmlns:a16="http://schemas.microsoft.com/office/drawing/2014/main" id="{967D9A21-8E53-F950-1126-F5235BC2235C}"/>
               </a:ext>
             </a:extLst>
           </p:cNvPr>
@@ -1450,7 +1450,7 @@
           <a:bodyPr/>
           <a:lstStyle/>
           <a:p>
-            <a:fld id="{126D2758-D144-4D6C-AD60-1FEF3213D423}" type="slidenum">
+            <a:fld id="{BBDF71A3-D4FD-4FCF-8B6C-20DEF4D8AB0A}" type="slidenum">
               <a:rPr lang="zh-CN" altLang="en-US" smtClean="0"/>
               <a:t>‹#›</a:t>
             </a:fld>
@@ -1461,7 +1461,7 @@
     </p:spTree>
     <p:extLst>
       <p:ext uri="{BB962C8B-B14F-4D97-AF65-F5344CB8AC3E}">
-        <p14:creationId xmlns:p14="http://schemas.microsoft.com/office/powerpoint/2010/main" val="1190831894"/>
+        <p14:creationId xmlns:p14="http://schemas.microsoft.com/office/powerpoint/2010/main" val="1125354497"/>
       </p:ext>
     </p:extLst>
   </p:cSld>
@@ -1493,7 +1493,7 @@
           <p:cNvPr id="2" name="标题 1">
             <a:extLst>
               <a:ext uri="{FF2B5EF4-FFF2-40B4-BE49-F238E27FC236}">
-                <a16:creationId xmlns:a16="http://schemas.microsoft.com/office/drawing/2014/main" id="{852E54CC-B123-A173-8F3C-C161D00224F8}"/>
+                <a16:creationId xmlns:a16="http://schemas.microsoft.com/office/drawing/2014/main" id="{E31AC222-896B-0A57-A6B1-45CC0860E47F}"/>
               </a:ext>
             </a:extLst>
           </p:cNvPr>
@@ -1526,7 +1526,7 @@
           <p:cNvPr id="3" name="文本占位符 2">
             <a:extLst>
               <a:ext uri="{FF2B5EF4-FFF2-40B4-BE49-F238E27FC236}">
-                <a16:creationId xmlns:a16="http://schemas.microsoft.com/office/drawing/2014/main" id="{A07FE07D-6E69-CB77-5A2D-4BEC52CDBC54}"/>
+                <a16:creationId xmlns:a16="http://schemas.microsoft.com/office/drawing/2014/main" id="{0BD55854-9EE9-2B8E-3DCC-6A5741841A6B}"/>
               </a:ext>
             </a:extLst>
           </p:cNvPr>
@@ -1597,7 +1597,7 @@
           <p:cNvPr id="4" name="内容占位符 3">
             <a:extLst>
               <a:ext uri="{FF2B5EF4-FFF2-40B4-BE49-F238E27FC236}">
-                <a16:creationId xmlns:a16="http://schemas.microsoft.com/office/drawing/2014/main" id="{E7D21924-17FD-BC71-7A94-155A13820661}"/>
+                <a16:creationId xmlns:a16="http://schemas.microsoft.com/office/drawing/2014/main" id="{8EF1C724-492A-6B2E-8135-58FA3A91ECA1}"/>
               </a:ext>
             </a:extLst>
           </p:cNvPr>
@@ -1659,7 +1659,7 @@
           <p:cNvPr id="5" name="文本占位符 4">
             <a:extLst>
               <a:ext uri="{FF2B5EF4-FFF2-40B4-BE49-F238E27FC236}">
-                <a16:creationId xmlns:a16="http://schemas.microsoft.com/office/drawing/2014/main" id="{DFABF0D7-BE36-5EEF-7D6A-52227D43D708}"/>
+                <a16:creationId xmlns:a16="http://schemas.microsoft.com/office/drawing/2014/main" id="{40280C4E-DA95-8A27-5F27-BD8D84875739}"/>
               </a:ext>
             </a:extLst>
           </p:cNvPr>
@@ -1730,7 +1730,7 @@
           <p:cNvPr id="6" name="内容占位符 5">
             <a:extLst>
               <a:ext uri="{FF2B5EF4-FFF2-40B4-BE49-F238E27FC236}">
-                <a16:creationId xmlns:a16="http://schemas.microsoft.com/office/drawing/2014/main" id="{857BD5CF-29AD-75B1-5F42-A97CFCDD0091}"/>
+                <a16:creationId xmlns:a16="http://schemas.microsoft.com/office/drawing/2014/main" id="{8515FC36-5DB9-4969-E95F-E824E7041F98}"/>
               </a:ext>
             </a:extLst>
           </p:cNvPr>
@@ -1792,7 +1792,7 @@
           <p:cNvPr id="7" name="日期占位符 6">
             <a:extLst>
               <a:ext uri="{FF2B5EF4-FFF2-40B4-BE49-F238E27FC236}">
-                <a16:creationId xmlns:a16="http://schemas.microsoft.com/office/drawing/2014/main" id="{8B8ED7EF-1E54-B245-6B87-C7D04D87B6EE}"/>
+                <a16:creationId xmlns:a16="http://schemas.microsoft.com/office/drawing/2014/main" id="{0B2A3326-5350-8043-0AF9-30330AD7E668}"/>
               </a:ext>
             </a:extLst>
           </p:cNvPr>
@@ -1808,7 +1808,7 @@
           <a:bodyPr/>
           <a:lstStyle/>
           <a:p>
-            <a:fld id="{DA2B0115-C615-4845-B4D3-33FBC60DBC00}" type="datetimeFigureOut">
+            <a:fld id="{C69EF88E-EFAF-4BA5-9262-9AF5B5F9CC48}" type="datetimeFigureOut">
               <a:rPr lang="zh-CN" altLang="en-US" smtClean="0"/>
               <a:t>2024/3/10</a:t>
             </a:fld>
@@ -1821,7 +1821,7 @@
           <p:cNvPr id="8" name="页脚占位符 7">
             <a:extLst>
               <a:ext uri="{FF2B5EF4-FFF2-40B4-BE49-F238E27FC236}">
-                <a16:creationId xmlns:a16="http://schemas.microsoft.com/office/drawing/2014/main" id="{25A9E136-E075-C96E-1795-EE1479CAA4EF}"/>
+                <a16:creationId xmlns:a16="http://schemas.microsoft.com/office/drawing/2014/main" id="{8972745D-D8DB-E7F6-4820-A8D95AD232FE}"/>
               </a:ext>
             </a:extLst>
           </p:cNvPr>
@@ -1846,7 +1846,7 @@
           <p:cNvPr id="9" name="灯片编号占位符 8">
             <a:extLst>
               <a:ext uri="{FF2B5EF4-FFF2-40B4-BE49-F238E27FC236}">
-                <a16:creationId xmlns:a16="http://schemas.microsoft.com/office/drawing/2014/main" id="{9FBA33D4-BE73-5C79-C2FD-F24CDF059F75}"/>
+                <a16:creationId xmlns:a16="http://schemas.microsoft.com/office/drawing/2014/main" id="{967D657C-367A-8A69-28CB-14D02AF98D9C}"/>
               </a:ext>
             </a:extLst>
           </p:cNvPr>
@@ -1862,7 +1862,7 @@
           <a:bodyPr/>
           <a:lstStyle/>
           <a:p>
-            <a:fld id="{126D2758-D144-4D6C-AD60-1FEF3213D423}" type="slidenum">
+            <a:fld id="{BBDF71A3-D4FD-4FCF-8B6C-20DEF4D8AB0A}" type="slidenum">
               <a:rPr lang="zh-CN" altLang="en-US" smtClean="0"/>
               <a:t>‹#›</a:t>
             </a:fld>
@@ -1873,7 +1873,7 @@
     </p:spTree>
     <p:extLst>
       <p:ext uri="{BB962C8B-B14F-4D97-AF65-F5344CB8AC3E}">
-        <p14:creationId xmlns:p14="http://schemas.microsoft.com/office/powerpoint/2010/main" val="3312826222"/>
+        <p14:creationId xmlns:p14="http://schemas.microsoft.com/office/powerpoint/2010/main" val="3208204100"/>
       </p:ext>
     </p:extLst>
   </p:cSld>
@@ -1905,7 +1905,7 @@
           <p:cNvPr id="2" name="标题 1">
             <a:extLst>
               <a:ext uri="{FF2B5EF4-FFF2-40B4-BE49-F238E27FC236}">
-                <a16:creationId xmlns:a16="http://schemas.microsoft.com/office/drawing/2014/main" id="{B807A2BF-0D01-2E83-AE47-99D76BBE9F52}"/>
+                <a16:creationId xmlns:a16="http://schemas.microsoft.com/office/drawing/2014/main" id="{52841214-CF24-D1BC-44FF-08FDE946A175}"/>
               </a:ext>
             </a:extLst>
           </p:cNvPr>
@@ -1933,7 +1933,7 @@
           <p:cNvPr id="3" name="日期占位符 2">
             <a:extLst>
               <a:ext uri="{FF2B5EF4-FFF2-40B4-BE49-F238E27FC236}">
-                <a16:creationId xmlns:a16="http://schemas.microsoft.com/office/drawing/2014/main" id="{AFB38C99-14C3-DEA5-337D-2DB9D24065A5}"/>
+                <a16:creationId xmlns:a16="http://schemas.microsoft.com/office/drawing/2014/main" id="{68AF65E8-0D24-9EFE-DC11-09932CA8DEC3}"/>
               </a:ext>
             </a:extLst>
           </p:cNvPr>
@@ -1949,7 +1949,7 @@
           <a:bodyPr/>
           <a:lstStyle/>
           <a:p>
-            <a:fld id="{DA2B0115-C615-4845-B4D3-33FBC60DBC00}" type="datetimeFigureOut">
+            <a:fld id="{C69EF88E-EFAF-4BA5-9262-9AF5B5F9CC48}" type="datetimeFigureOut">
               <a:rPr lang="zh-CN" altLang="en-US" smtClean="0"/>
               <a:t>2024/3/10</a:t>
             </a:fld>
@@ -1962,7 +1962,7 @@
           <p:cNvPr id="4" name="页脚占位符 3">
             <a:extLst>
               <a:ext uri="{FF2B5EF4-FFF2-40B4-BE49-F238E27FC236}">
-                <a16:creationId xmlns:a16="http://schemas.microsoft.com/office/drawing/2014/main" id="{D80D44A1-0A17-C6E0-FDBF-C38BF73CDE43}"/>
+                <a16:creationId xmlns:a16="http://schemas.microsoft.com/office/drawing/2014/main" id="{99CC0165-C5E5-D476-1A0C-E2B77AACC8A0}"/>
               </a:ext>
             </a:extLst>
           </p:cNvPr>
@@ -1987,7 +1987,7 @@
           <p:cNvPr id="5" name="灯片编号占位符 4">
             <a:extLst>
               <a:ext uri="{FF2B5EF4-FFF2-40B4-BE49-F238E27FC236}">
-                <a16:creationId xmlns:a16="http://schemas.microsoft.com/office/drawing/2014/main" id="{C705D57B-53DD-787A-B1EA-6D594DE3E744}"/>
+                <a16:creationId xmlns:a16="http://schemas.microsoft.com/office/drawing/2014/main" id="{F630F6F1-783F-D5C1-4F32-DB2F2AE9BA56}"/>
               </a:ext>
             </a:extLst>
           </p:cNvPr>
@@ -2003,7 +2003,7 @@
           <a:bodyPr/>
           <a:lstStyle/>
           <a:p>
-            <a:fld id="{126D2758-D144-4D6C-AD60-1FEF3213D423}" type="slidenum">
+            <a:fld id="{BBDF71A3-D4FD-4FCF-8B6C-20DEF4D8AB0A}" type="slidenum">
               <a:rPr lang="zh-CN" altLang="en-US" smtClean="0"/>
               <a:t>‹#›</a:t>
             </a:fld>
@@ -2014,7 +2014,7 @@
     </p:spTree>
     <p:extLst>
       <p:ext uri="{BB962C8B-B14F-4D97-AF65-F5344CB8AC3E}">
-        <p14:creationId xmlns:p14="http://schemas.microsoft.com/office/powerpoint/2010/main" val="4006402202"/>
+        <p14:creationId xmlns:p14="http://schemas.microsoft.com/office/powerpoint/2010/main" val="1781983324"/>
       </p:ext>
     </p:extLst>
   </p:cSld>
@@ -2046,7 +2046,7 @@
           <p:cNvPr id="2" name="日期占位符 1">
             <a:extLst>
               <a:ext uri="{FF2B5EF4-FFF2-40B4-BE49-F238E27FC236}">
-                <a16:creationId xmlns:a16="http://schemas.microsoft.com/office/drawing/2014/main" id="{2C7418CB-CD21-83CB-5F87-6596C08D07B3}"/>
+                <a16:creationId xmlns:a16="http://schemas.microsoft.com/office/drawing/2014/main" id="{536C84A9-BF32-9591-3EFF-4BC48BCD4616}"/>
               </a:ext>
             </a:extLst>
           </p:cNvPr>
@@ -2062,7 +2062,7 @@
           <a:bodyPr/>
           <a:lstStyle/>
           <a:p>
-            <a:fld id="{DA2B0115-C615-4845-B4D3-33FBC60DBC00}" type="datetimeFigureOut">
+            <a:fld id="{C69EF88E-EFAF-4BA5-9262-9AF5B5F9CC48}" type="datetimeFigureOut">
               <a:rPr lang="zh-CN" altLang="en-US" smtClean="0"/>
               <a:t>2024/3/10</a:t>
             </a:fld>
@@ -2075,7 +2075,7 @@
           <p:cNvPr id="3" name="页脚占位符 2">
             <a:extLst>
               <a:ext uri="{FF2B5EF4-FFF2-40B4-BE49-F238E27FC236}">
-                <a16:creationId xmlns:a16="http://schemas.microsoft.com/office/drawing/2014/main" id="{399E55D3-005D-052D-09CA-AAFFFCB320DD}"/>
+                <a16:creationId xmlns:a16="http://schemas.microsoft.com/office/drawing/2014/main" id="{B47BA556-A541-DB0D-AB19-A078163AED8A}"/>
               </a:ext>
             </a:extLst>
           </p:cNvPr>
@@ -2100,7 +2100,7 @@
           <p:cNvPr id="4" name="灯片编号占位符 3">
             <a:extLst>
               <a:ext uri="{FF2B5EF4-FFF2-40B4-BE49-F238E27FC236}">
-                <a16:creationId xmlns:a16="http://schemas.microsoft.com/office/drawing/2014/main" id="{B341A230-F48C-B153-72D4-18AB89DB9C20}"/>
+                <a16:creationId xmlns:a16="http://schemas.microsoft.com/office/drawing/2014/main" id="{988704A6-9EE0-D752-4A67-052A70CE56AC}"/>
               </a:ext>
             </a:extLst>
           </p:cNvPr>
@@ -2116,7 +2116,7 @@
           <a:bodyPr/>
           <a:lstStyle/>
           <a:p>
-            <a:fld id="{126D2758-D144-4D6C-AD60-1FEF3213D423}" type="slidenum">
+            <a:fld id="{BBDF71A3-D4FD-4FCF-8B6C-20DEF4D8AB0A}" type="slidenum">
               <a:rPr lang="zh-CN" altLang="en-US" smtClean="0"/>
               <a:t>‹#›</a:t>
             </a:fld>
@@ -2127,7 +2127,7 @@
     </p:spTree>
     <p:extLst>
       <p:ext uri="{BB962C8B-B14F-4D97-AF65-F5344CB8AC3E}">
-        <p14:creationId xmlns:p14="http://schemas.microsoft.com/office/powerpoint/2010/main" val="1913654009"/>
+        <p14:creationId xmlns:p14="http://schemas.microsoft.com/office/powerpoint/2010/main" val="1356958815"/>
       </p:ext>
     </p:extLst>
   </p:cSld>
@@ -2159,7 +2159,7 @@
           <p:cNvPr id="2" name="标题 1">
             <a:extLst>
               <a:ext uri="{FF2B5EF4-FFF2-40B4-BE49-F238E27FC236}">
-                <a16:creationId xmlns:a16="http://schemas.microsoft.com/office/drawing/2014/main" id="{EA465CB5-AD83-9787-9DFF-8CF0620C6555}"/>
+                <a16:creationId xmlns:a16="http://schemas.microsoft.com/office/drawing/2014/main" id="{63BF7CFA-EE63-EC13-2389-CB996B9ADCA5}"/>
               </a:ext>
             </a:extLst>
           </p:cNvPr>
@@ -2196,7 +2196,7 @@
           <p:cNvPr id="3" name="内容占位符 2">
             <a:extLst>
               <a:ext uri="{FF2B5EF4-FFF2-40B4-BE49-F238E27FC236}">
-                <a16:creationId xmlns:a16="http://schemas.microsoft.com/office/drawing/2014/main" id="{6A0187BD-9766-2363-F86C-7AB07044BA1F}"/>
+                <a16:creationId xmlns:a16="http://schemas.microsoft.com/office/drawing/2014/main" id="{CEF65C09-E3BA-71A2-5A4D-DB3D40F9AF76}"/>
               </a:ext>
             </a:extLst>
           </p:cNvPr>
@@ -2286,7 +2286,7 @@
           <p:cNvPr id="4" name="文本占位符 3">
             <a:extLst>
               <a:ext uri="{FF2B5EF4-FFF2-40B4-BE49-F238E27FC236}">
-                <a16:creationId xmlns:a16="http://schemas.microsoft.com/office/drawing/2014/main" id="{E373665D-BBEE-0125-42F2-E2013F7D8AEB}"/>
+                <a16:creationId xmlns:a16="http://schemas.microsoft.com/office/drawing/2014/main" id="{CCD8BC9C-BE20-034B-67F4-FCABA4F34B22}"/>
               </a:ext>
             </a:extLst>
           </p:cNvPr>
@@ -2357,7 +2357,7 @@
           <p:cNvPr id="5" name="日期占位符 4">
             <a:extLst>
               <a:ext uri="{FF2B5EF4-FFF2-40B4-BE49-F238E27FC236}">
-                <a16:creationId xmlns:a16="http://schemas.microsoft.com/office/drawing/2014/main" id="{04A9E7D4-5E6F-9216-46EB-3A7C79BB6B1A}"/>
+                <a16:creationId xmlns:a16="http://schemas.microsoft.com/office/drawing/2014/main" id="{42C272D4-2108-9CE4-03FB-DBD8BA1807D8}"/>
               </a:ext>
             </a:extLst>
           </p:cNvPr>
@@ -2373,7 +2373,7 @@
           <a:bodyPr/>
           <a:lstStyle/>
           <a:p>
-            <a:fld id="{DA2B0115-C615-4845-B4D3-33FBC60DBC00}" type="datetimeFigureOut">
+            <a:fld id="{C69EF88E-EFAF-4BA5-9262-9AF5B5F9CC48}" type="datetimeFigureOut">
               <a:rPr lang="zh-CN" altLang="en-US" smtClean="0"/>
               <a:t>2024/3/10</a:t>
             </a:fld>
@@ -2386,7 +2386,7 @@
           <p:cNvPr id="6" name="页脚占位符 5">
             <a:extLst>
               <a:ext uri="{FF2B5EF4-FFF2-40B4-BE49-F238E27FC236}">
-                <a16:creationId xmlns:a16="http://schemas.microsoft.com/office/drawing/2014/main" id="{930E727B-FB92-B3AE-FD1F-DCCDF6B4F173}"/>
+                <a16:creationId xmlns:a16="http://schemas.microsoft.com/office/drawing/2014/main" id="{7DBCD9C8-7326-D32A-F63B-DBD3D79C966E}"/>
               </a:ext>
             </a:extLst>
           </p:cNvPr>
@@ -2411,7 +2411,7 @@
           <p:cNvPr id="7" name="灯片编号占位符 6">
             <a:extLst>
               <a:ext uri="{FF2B5EF4-FFF2-40B4-BE49-F238E27FC236}">
-                <a16:creationId xmlns:a16="http://schemas.microsoft.com/office/drawing/2014/main" id="{BADAD2BE-9F05-5910-47E0-DBF234BA47ED}"/>
+                <a16:creationId xmlns:a16="http://schemas.microsoft.com/office/drawing/2014/main" id="{8353AA82-4342-4B84-E623-749573EE1236}"/>
               </a:ext>
             </a:extLst>
           </p:cNvPr>
@@ -2427,7 +2427,7 @@
           <a:bodyPr/>
           <a:lstStyle/>
           <a:p>
-            <a:fld id="{126D2758-D144-4D6C-AD60-1FEF3213D423}" type="slidenum">
+            <a:fld id="{BBDF71A3-D4FD-4FCF-8B6C-20DEF4D8AB0A}" type="slidenum">
               <a:rPr lang="zh-CN" altLang="en-US" smtClean="0"/>
               <a:t>‹#›</a:t>
             </a:fld>
@@ -2438,7 +2438,7 @@
     </p:spTree>
     <p:extLst>
       <p:ext uri="{BB962C8B-B14F-4D97-AF65-F5344CB8AC3E}">
-        <p14:creationId xmlns:p14="http://schemas.microsoft.com/office/powerpoint/2010/main" val="1239997182"/>
+        <p14:creationId xmlns:p14="http://schemas.microsoft.com/office/powerpoint/2010/main" val="1054058410"/>
       </p:ext>
     </p:extLst>
   </p:cSld>
@@ -2470,7 +2470,7 @@
           <p:cNvPr id="2" name="标题 1">
             <a:extLst>
               <a:ext uri="{FF2B5EF4-FFF2-40B4-BE49-F238E27FC236}">
-                <a16:creationId xmlns:a16="http://schemas.microsoft.com/office/drawing/2014/main" id="{BE73EB6F-E109-0DF4-FCC0-6E3C9F0548DC}"/>
+                <a16:creationId xmlns:a16="http://schemas.microsoft.com/office/drawing/2014/main" id="{C9B61075-385F-21A2-8D19-447D156C1C92}"/>
               </a:ext>
             </a:extLst>
           </p:cNvPr>
@@ -2507,7 +2507,7 @@
           <p:cNvPr id="3" name="图片占位符 2">
             <a:extLst>
               <a:ext uri="{FF2B5EF4-FFF2-40B4-BE49-F238E27FC236}">
-                <a16:creationId xmlns:a16="http://schemas.microsoft.com/office/drawing/2014/main" id="{281EC5B8-F487-F126-3B65-CADB529FBF71}"/>
+                <a16:creationId xmlns:a16="http://schemas.microsoft.com/office/drawing/2014/main" id="{F11A00A9-7428-0905-98E6-CB288884C52C}"/>
               </a:ext>
             </a:extLst>
           </p:cNvPr>
@@ -2574,7 +2574,7 @@
           <p:cNvPr id="4" name="文本占位符 3">
             <a:extLst>
               <a:ext uri="{FF2B5EF4-FFF2-40B4-BE49-F238E27FC236}">
-                <a16:creationId xmlns:a16="http://schemas.microsoft.com/office/drawing/2014/main" id="{1233F909-7F83-13F7-C156-E8B3F20B8306}"/>
+                <a16:creationId xmlns:a16="http://schemas.microsoft.com/office/drawing/2014/main" id="{5C3CE115-DEA0-C29D-5127-396FBC0ABC20}"/>
               </a:ext>
             </a:extLst>
           </p:cNvPr>
@@ -2645,7 +2645,7 @@
           <p:cNvPr id="5" name="日期占位符 4">
             <a:extLst>
               <a:ext uri="{FF2B5EF4-FFF2-40B4-BE49-F238E27FC236}">
-                <a16:creationId xmlns:a16="http://schemas.microsoft.com/office/drawing/2014/main" id="{FA2ACA72-7FEA-551A-D43D-62E03CBF8186}"/>
+                <a16:creationId xmlns:a16="http://schemas.microsoft.com/office/drawing/2014/main" id="{846841DF-7E8C-CDF0-9ED1-917FA72337AE}"/>
               </a:ext>
             </a:extLst>
           </p:cNvPr>
@@ -2661,7 +2661,7 @@
           <a:bodyPr/>
           <a:lstStyle/>
           <a:p>
-            <a:fld id="{DA2B0115-C615-4845-B4D3-33FBC60DBC00}" type="datetimeFigureOut">
+            <a:fld id="{C69EF88E-EFAF-4BA5-9262-9AF5B5F9CC48}" type="datetimeFigureOut">
               <a:rPr lang="zh-CN" altLang="en-US" smtClean="0"/>
               <a:t>2024/3/10</a:t>
             </a:fld>
@@ -2674,7 +2674,7 @@
           <p:cNvPr id="6" name="页脚占位符 5">
             <a:extLst>
               <a:ext uri="{FF2B5EF4-FFF2-40B4-BE49-F238E27FC236}">
-                <a16:creationId xmlns:a16="http://schemas.microsoft.com/office/drawing/2014/main" id="{8672CD07-6FBA-1382-AE1C-3B1BB44DE04D}"/>
+                <a16:creationId xmlns:a16="http://schemas.microsoft.com/office/drawing/2014/main" id="{180241F0-3BA4-D083-D116-3C3A24C4E30C}"/>
               </a:ext>
             </a:extLst>
           </p:cNvPr>
@@ -2699,7 +2699,7 @@
           <p:cNvPr id="7" name="灯片编号占位符 6">
             <a:extLst>
               <a:ext uri="{FF2B5EF4-FFF2-40B4-BE49-F238E27FC236}">
-                <a16:creationId xmlns:a16="http://schemas.microsoft.com/office/drawing/2014/main" id="{F70CD487-DE5A-33C9-0FF5-01E30B356EBA}"/>
+                <a16:creationId xmlns:a16="http://schemas.microsoft.com/office/drawing/2014/main" id="{55CFB316-C764-6179-080E-75D33501261D}"/>
               </a:ext>
             </a:extLst>
           </p:cNvPr>
@@ -2715,7 +2715,7 @@
           <a:bodyPr/>
           <a:lstStyle/>
           <a:p>
-            <a:fld id="{126D2758-D144-4D6C-AD60-1FEF3213D423}" type="slidenum">
+            <a:fld id="{BBDF71A3-D4FD-4FCF-8B6C-20DEF4D8AB0A}" type="slidenum">
               <a:rPr lang="zh-CN" altLang="en-US" smtClean="0"/>
               <a:t>‹#›</a:t>
             </a:fld>
@@ -2726,7 +2726,7 @@
     </p:spTree>
     <p:extLst>
       <p:ext uri="{BB962C8B-B14F-4D97-AF65-F5344CB8AC3E}">
-        <p14:creationId xmlns:p14="http://schemas.microsoft.com/office/powerpoint/2010/main" val="1529849007"/>
+        <p14:creationId xmlns:p14="http://schemas.microsoft.com/office/powerpoint/2010/main" val="2759371927"/>
       </p:ext>
     </p:extLst>
   </p:cSld>
@@ -2763,7 +2763,7 @@
           <p:cNvPr id="2" name="标题占位符 1">
             <a:extLst>
               <a:ext uri="{FF2B5EF4-FFF2-40B4-BE49-F238E27FC236}">
-                <a16:creationId xmlns:a16="http://schemas.microsoft.com/office/drawing/2014/main" id="{BCECA854-00CB-8EBB-3995-459AF24ECC1F}"/>
+                <a16:creationId xmlns:a16="http://schemas.microsoft.com/office/drawing/2014/main" id="{B3168155-9408-2DF7-E24B-A5538DFFEB8F}"/>
               </a:ext>
             </a:extLst>
           </p:cNvPr>
@@ -2801,7 +2801,7 @@
           <p:cNvPr id="3" name="文本占位符 2">
             <a:extLst>
               <a:ext uri="{FF2B5EF4-FFF2-40B4-BE49-F238E27FC236}">
-                <a16:creationId xmlns:a16="http://schemas.microsoft.com/office/drawing/2014/main" id="{1B17D9B2-78BC-58A1-4E05-DD228120F454}"/>
+                <a16:creationId xmlns:a16="http://schemas.microsoft.com/office/drawing/2014/main" id="{0B21E634-624A-0508-4484-6E52455FF46F}"/>
               </a:ext>
             </a:extLst>
           </p:cNvPr>
@@ -2868,7 +2868,7 @@
           <p:cNvPr id="4" name="日期占位符 3">
             <a:extLst>
               <a:ext uri="{FF2B5EF4-FFF2-40B4-BE49-F238E27FC236}">
-                <a16:creationId xmlns:a16="http://schemas.microsoft.com/office/drawing/2014/main" id="{CDC00D4B-D4AF-D8F7-C036-56B472FD7140}"/>
+                <a16:creationId xmlns:a16="http://schemas.microsoft.com/office/drawing/2014/main" id="{1FB9D915-C51F-56FA-1309-EBD3289A864E}"/>
               </a:ext>
             </a:extLst>
           </p:cNvPr>
@@ -2902,7 +2902,7 @@
             </a:lvl1pPr>
           </a:lstStyle>
           <a:p>
-            <a:fld id="{DA2B0115-C615-4845-B4D3-33FBC60DBC00}" type="datetimeFigureOut">
+            <a:fld id="{C69EF88E-EFAF-4BA5-9262-9AF5B5F9CC48}" type="datetimeFigureOut">
               <a:rPr lang="zh-CN" altLang="en-US" smtClean="0"/>
               <a:t>2024/3/10</a:t>
             </a:fld>
@@ -2915,7 +2915,7 @@
           <p:cNvPr id="5" name="页脚占位符 4">
             <a:extLst>
               <a:ext uri="{FF2B5EF4-FFF2-40B4-BE49-F238E27FC236}">
-                <a16:creationId xmlns:a16="http://schemas.microsoft.com/office/drawing/2014/main" id="{6DAD4D25-7591-6620-B8D0-762E67563C01}"/>
+                <a16:creationId xmlns:a16="http://schemas.microsoft.com/office/drawing/2014/main" id="{D68301DE-5CFF-8BE3-BC57-8F30968C7FB3}"/>
               </a:ext>
             </a:extLst>
           </p:cNvPr>
@@ -2958,7 +2958,7 @@
           <p:cNvPr id="6" name="灯片编号占位符 5">
             <a:extLst>
               <a:ext uri="{FF2B5EF4-FFF2-40B4-BE49-F238E27FC236}">
-                <a16:creationId xmlns:a16="http://schemas.microsoft.com/office/drawing/2014/main" id="{73271A89-9F5B-1E48-5E19-004290030147}"/>
+                <a16:creationId xmlns:a16="http://schemas.microsoft.com/office/drawing/2014/main" id="{5EF54CAA-5EE9-8455-BFC8-1F7D7CEDC8FC}"/>
               </a:ext>
             </a:extLst>
           </p:cNvPr>
@@ -2992,7 +2992,7 @@
             </a:lvl1pPr>
           </a:lstStyle>
           <a:p>
-            <a:fld id="{126D2758-D144-4D6C-AD60-1FEF3213D423}" type="slidenum">
+            <a:fld id="{BBDF71A3-D4FD-4FCF-8B6C-20DEF4D8AB0A}" type="slidenum">
               <a:rPr lang="zh-CN" altLang="en-US" smtClean="0"/>
               <a:t>‹#›</a:t>
             </a:fld>
@@ -3003,7 +3003,7 @@
     </p:spTree>
     <p:extLst>
       <p:ext uri="{BB962C8B-B14F-4D97-AF65-F5344CB8AC3E}">
-        <p14:creationId xmlns:p14="http://schemas.microsoft.com/office/powerpoint/2010/main" val="3688474424"/>
+        <p14:creationId xmlns:p14="http://schemas.microsoft.com/office/powerpoint/2010/main" val="2199333346"/>
       </p:ext>
     </p:extLst>
   </p:cSld>
